--- a/Promotion/Flyers.pptx
+++ b/Promotion/Flyers.pptx
@@ -105,6 +105,14 @@
     </a:lvl9pPr>
   </p:defaultTextStyle>
 </p:presentation>
+</file>
+
+<file path=ppt/revisionInfo.xml><?xml version="1.0" encoding="utf-8"?>
+<p1510:revInfo xmlns:a="http://schemas.openxmlformats.org/drawingml/2006/main" xmlns:r="http://schemas.openxmlformats.org/officeDocument/2006/relationships" xmlns:p1510="http://schemas.microsoft.com/office/powerpoint/2015/10/main">
+  <p1510:revLst>
+    <p1510:client id="{5E05FA68-267A-C446-952B-012E9244D79E}" v="3" dt="2024-02-06T10:31:08.005"/>
+  </p1510:revLst>
+</p1510:revInfo>
 </file>
 
 <file path=ppt/slideLayouts/slideLayout1.xml><?xml version="1.0" encoding="utf-8"?>
@@ -3396,6 +3404,71 @@
           </a:prstGeom>
         </p:spPr>
       </p:pic>
+      <p:pic>
+        <p:nvPicPr>
+          <p:cNvPr id="21" name="Picture 20" descr="A qr code on a white background&#10;&#10;Description automatically generated">
+            <a:extLst>
+              <a:ext uri="{FF2B5EF4-FFF2-40B4-BE49-F238E27FC236}">
+                <a16:creationId xmlns:a16="http://schemas.microsoft.com/office/drawing/2014/main" id="{0A562643-E90A-BCB5-B223-60901F7667BE}"/>
+              </a:ext>
+            </a:extLst>
+          </p:cNvPr>
+          <p:cNvPicPr>
+            <a:picLocks noChangeAspect="1"/>
+          </p:cNvPicPr>
+          <p:nvPr/>
+        </p:nvPicPr>
+        <p:blipFill rotWithShape="1">
+          <a:blip r:embed="rId7">
+            <a:extLst>
+              <a:ext uri="{28A0092B-C50C-407E-A947-70E740481C1C}">
+                <a14:useLocalDpi xmlns:a14="http://schemas.microsoft.com/office/drawing/2010/main" val="0"/>
+              </a:ext>
+            </a:extLst>
+          </a:blip>
+          <a:srcRect b="23348"/>
+          <a:stretch/>
+        </p:blipFill>
+        <p:spPr>
+          <a:xfrm>
+            <a:off x="3506960" y="1319873"/>
+            <a:ext cx="1421974" cy="1412592"/>
+          </a:xfrm>
+          <a:prstGeom prst="rect">
+            <a:avLst/>
+          </a:prstGeom>
+        </p:spPr>
+      </p:pic>
+      <p:pic>
+        <p:nvPicPr>
+          <p:cNvPr id="20" name="Picture 19" descr="A qr code on a white background&#10;&#10;Description automatically generated">
+            <a:extLst>
+              <a:ext uri="{FF2B5EF4-FFF2-40B4-BE49-F238E27FC236}">
+                <a16:creationId xmlns:a16="http://schemas.microsoft.com/office/drawing/2014/main" id="{BE993AA9-0F2F-11B2-91DF-70F082AED9FE}"/>
+              </a:ext>
+            </a:extLst>
+          </p:cNvPr>
+          <p:cNvPicPr>
+            <a:picLocks noChangeAspect="1"/>
+          </p:cNvPicPr>
+          <p:nvPr/>
+        </p:nvPicPr>
+        <p:blipFill>
+          <a:blip r:embed="rId8"/>
+          <a:stretch>
+            <a:fillRect/>
+          </a:stretch>
+        </p:blipFill>
+        <p:spPr>
+          <a:xfrm>
+            <a:off x="3667307" y="1499381"/>
+            <a:ext cx="1107894" cy="1107894"/>
+          </a:xfrm>
+          <a:prstGeom prst="rect">
+            <a:avLst/>
+          </a:prstGeom>
+        </p:spPr>
+      </p:pic>
     </p:spTree>
     <p:extLst>
       <p:ext uri="{BB962C8B-B14F-4D97-AF65-F5344CB8AC3E}">
